--- a/좌표.pptx
+++ b/좌표.pptx
@@ -6197,7 +6197,7 @@
           <a:p>
             <a:r>
               <a:rPr lang="en-US" altLang="ko-KR" sz="1400" b="1" dirty="0"/>
-              <a:t>x,162</a:t>
+              <a:t>x,188</a:t>
             </a:r>
             <a:endParaRPr lang="ko-KR" altLang="en-US" sz="1400" b="1" dirty="0"/>
           </a:p>
@@ -6231,8 +6231,8 @@
           <a:lstStyle/>
           <a:p>
             <a:r>
-              <a:rPr lang="en-US" altLang="ko-KR" sz="1400" b="1" dirty="0"/>
-              <a:t>x,188</a:t>
+              <a:rPr lang="en-US" altLang="ko-KR" sz="1400" b="1"/>
+              <a:t>x,162</a:t>
             </a:r>
             <a:endParaRPr lang="ko-KR" altLang="en-US" sz="1400" b="1" dirty="0"/>
           </a:p>

--- a/좌표.pptx
+++ b/좌표.pptx
@@ -5680,8 +5680,8 @@
         </p:nvSpPr>
         <p:spPr>
           <a:xfrm>
-            <a:off x="934392" y="5156967"/>
-            <a:ext cx="3174267" cy="369332"/>
+            <a:off x="413418" y="5156967"/>
+            <a:ext cx="4216219" cy="369332"/>
           </a:xfrm>
           <a:prstGeom prst="rect">
             <a:avLst/>
@@ -5719,8 +5719,37 @@
                   <a:schemeClr val="bg1"/>
                 </a:solidFill>
               </a:rPr>
-              <a:t>순서쌍</a:t>
-            </a:r>
+              <a:t>순서쌍 </a:t>
+            </a:r>
+            <a:r>
+              <a:rPr lang="en-US" altLang="ko-KR" dirty="0">
+                <a:solidFill>
+                  <a:schemeClr val="bg1"/>
+                </a:solidFill>
+              </a:rPr>
+              <a:t>(1</a:t>
+            </a:r>
+            <a:r>
+              <a:rPr lang="ko-KR" altLang="en-US" dirty="0">
+                <a:solidFill>
+                  <a:schemeClr val="bg1"/>
+                </a:solidFill>
+              </a:rPr>
+              <a:t>차선만</a:t>
+            </a:r>
+            <a:r>
+              <a:rPr lang="en-US" altLang="ko-KR" dirty="0">
+                <a:solidFill>
+                  <a:schemeClr val="bg1"/>
+                </a:solidFill>
+              </a:rPr>
+              <a:t>)</a:t>
+            </a:r>
+            <a:endParaRPr lang="ko-KR" altLang="en-US" dirty="0">
+              <a:solidFill>
+                <a:schemeClr val="bg1"/>
+              </a:solidFill>
+            </a:endParaRPr>
           </a:p>
         </p:txBody>
       </p:sp>
@@ -5886,7 +5915,7 @@
               <a:t>완벽한 회전을 위하여 경로의 진행도를 확인하여 회전</a:t>
             </a:r>
             <a:r>
-              <a:rPr lang="en-US" altLang="ko-KR" sz="1200">
+              <a:rPr lang="en-US" altLang="ko-KR" sz="1200" dirty="0">
                 <a:solidFill>
                   <a:schemeClr val="bg1"/>
                 </a:solidFill>
@@ -5897,18 +5926,13 @@
           <a:p>
             <a:pPr algn="ctr"/>
             <a:r>
-              <a:rPr lang="ko-KR" altLang="en-US" sz="1200">
+              <a:rPr lang="ko-KR" altLang="en-US" sz="1200" dirty="0">
                 <a:solidFill>
                   <a:schemeClr val="bg1"/>
                 </a:solidFill>
               </a:rPr>
               <a:t>함수</a:t>
             </a:r>
-            <a:endParaRPr lang="ko-KR" altLang="en-US" sz="1200" dirty="0">
-              <a:solidFill>
-                <a:schemeClr val="bg1"/>
-              </a:solidFill>
-            </a:endParaRPr>
           </a:p>
         </p:txBody>
       </p:sp>
@@ -6238,6 +6262,35 @@
           </a:p>
         </p:txBody>
       </p:sp>
+      <p:pic>
+        <p:nvPicPr>
+          <p:cNvPr id="4" name="그림 3">
+            <a:extLst>
+              <a:ext uri="{FF2B5EF4-FFF2-40B4-BE49-F238E27FC236}">
+                <a16:creationId xmlns:a16="http://schemas.microsoft.com/office/drawing/2014/main" id="{5E9F905D-711B-4789-89A8-D39B8FD942B4}"/>
+              </a:ext>
+            </a:extLst>
+          </p:cNvPr>
+          <p:cNvPicPr>
+            <a:picLocks noChangeAspect="1"/>
+          </p:cNvPicPr>
+          <p:nvPr/>
+        </p:nvPicPr>
+        <p:blipFill rotWithShape="1">
+          <a:blip r:embed="rId4"/>
+          <a:srcRect t="6922" b="33779"/>
+          <a:stretch/>
+        </p:blipFill>
+        <p:spPr>
+          <a:xfrm>
+            <a:off x="9583248" y="628586"/>
+            <a:ext cx="3857625" cy="4066715"/>
+          </a:xfrm>
+          <a:prstGeom prst="rect">
+            <a:avLst/>
+          </a:prstGeom>
+        </p:spPr>
+      </p:pic>
     </p:spTree>
     <p:extLst>
       <p:ext uri="{BB962C8B-B14F-4D97-AF65-F5344CB8AC3E}">
